--- a/PRESENTATIONS/2021-10-online-f2f/2021-10-27-WoT-F2F-Opening-Kaebisch.pptx
+++ b/PRESENTATIONS/2021-10-online-f2f/2021-10-27-WoT-F2F-Opening-Kaebisch.pptx
@@ -4375,13 +4375,18 @@
           <a:p>
             <a:r>
               <a:rPr lang="en-US" dirty="0"/>
-              <a:t>Michael McCool</a:t>
-            </a:r>
+              <a:t>Sebastian </a:t>
+            </a:r>
+            <a:r>
+              <a:rPr lang="en-US" dirty="0" err="1"/>
+              <a:t>Kaebisch</a:t>
+            </a:r>
+            <a:endParaRPr lang="en-US" dirty="0"/>
           </a:p>
           <a:p>
             <a:r>
               <a:rPr lang="en-US" dirty="0"/>
-              <a:t>26 October 2021</a:t>
+              <a:t>27 October 2021</a:t>
             </a:r>
           </a:p>
         </p:txBody>

--- a/PRESENTATIONS/2021-10-online-f2f/2021-10-27-WoT-F2F-Opening-Kaebisch.pptx
+++ b/PRESENTATIONS/2021-10-online-f2f/2021-10-27-WoT-F2F-Opening-Kaebisch.pptx
@@ -5148,7 +5148,15 @@
           <a:p>
             <a:r>
               <a:rPr lang="en-CA" b="1" dirty="0"/>
-              <a:t>0h40m – Architecture (1h) – </a:t>
+              <a:t>0h40m </a:t>
+            </a:r>
+            <a:r>
+              <a:rPr lang="en-CA" b="1"/>
+              <a:t>– Profile </a:t>
+            </a:r>
+            <a:r>
+              <a:rPr lang="en-CA" b="1" dirty="0"/>
+              <a:t>(1h) – </a:t>
             </a:r>
             <a:r>
               <a:rPr lang="en-CA" b="1" dirty="0" err="1"/>

--- a/PRESENTATIONS/2021-10-online-f2f/2021-10-27-WoT-F2F-Opening-Kaebisch.pptx
+++ b/PRESENTATIONS/2021-10-online-f2f/2021-10-27-WoT-F2F-Opening-Kaebisch.pptx
@@ -4749,7 +4749,7 @@
         </p:spPr>
         <p:txBody>
           <a:bodyPr vert="horz" lIns="91440" tIns="45720" rIns="91440" bIns="45720" rtlCol="0">
-            <a:normAutofit lnSpcReduction="10000"/>
+            <a:normAutofit fontScale="92500" lnSpcReduction="10000"/>
           </a:bodyPr>
           <a:lstStyle>
             <a:lvl1pPr marL="228600" indent="-228600" algn="l" defTabSz="914400" rtl="0" eaLnBrk="1" latinLnBrk="0" hangingPunct="1">
@@ -4997,13 +4997,20 @@
             <a:pPr lvl="1"/>
             <a:r>
               <a:rPr lang="en-CA" dirty="0"/>
-              <a:t>Marketing</a:t>
+              <a:t>Marketing  1 / 2 </a:t>
             </a:r>
           </a:p>
           <a:p>
             <a:r>
               <a:rPr lang="en-CA" dirty="0"/>
-              <a:t>WG/IG: Thursday Oct 28 (1h55m)</a:t>
+              <a:t>WG/IG: Thursday Oct 28 (2h55m)</a:t>
+            </a:r>
+          </a:p>
+          <a:p>
+            <a:pPr lvl="1"/>
+            <a:r>
+              <a:rPr lang="en-CA" dirty="0"/>
+              <a:t>Marketing  2 / 2 </a:t>
             </a:r>
           </a:p>
           <a:p>
@@ -5135,6 +5142,44 @@
             </a:r>
           </a:p>
           <a:p>
+            <a:pPr lvl="1"/>
+            <a:r>
+              <a:rPr lang="de-DE" dirty="0">
+                <a:hlinkClick r:id="rId2"/>
+              </a:rPr>
+              <a:t>Draft WG 2021 Extension Plan</a:t>
+            </a:r>
+            <a:r>
+              <a:rPr lang="de-DE" dirty="0"/>
+              <a:t> </a:t>
+            </a:r>
+            <a:r>
+              <a:rPr lang="de-DE" dirty="0">
+                <a:sym typeface="Wingdings" pitchFamily="2" charset="2"/>
+              </a:rPr>
+              <a:t> </a:t>
+            </a:r>
+            <a:r>
+              <a:rPr lang="de-DE" dirty="0" err="1">
+                <a:sym typeface="Wingdings" pitchFamily="2" charset="2"/>
+              </a:rPr>
+              <a:t>please</a:t>
+            </a:r>
+            <a:r>
+              <a:rPr lang="de-DE" dirty="0">
+                <a:sym typeface="Wingdings" pitchFamily="2" charset="2"/>
+              </a:rPr>
+              <a:t> </a:t>
+            </a:r>
+            <a:r>
+              <a:rPr lang="de-DE" dirty="0" err="1">
+                <a:sym typeface="Wingdings" pitchFamily="2" charset="2"/>
+              </a:rPr>
+              <a:t>review</a:t>
+            </a:r>
+            <a:endParaRPr lang="en-CA" b="1" dirty="0"/>
+          </a:p>
+          <a:p>
             <a:r>
               <a:rPr lang="en-CA" b="1" dirty="0"/>
               <a:t>0h10m – Architecture (30m) – </a:t>
@@ -5148,15 +5193,7 @@
           <a:p>
             <a:r>
               <a:rPr lang="en-CA" b="1" dirty="0"/>
-              <a:t>0h40m </a:t>
-            </a:r>
-            <a:r>
-              <a:rPr lang="en-CA" b="1"/>
-              <a:t>– Profile </a:t>
-            </a:r>
-            <a:r>
-              <a:rPr lang="en-CA" b="1" dirty="0"/>
-              <a:t>(1h) – </a:t>
+              <a:t>0h40m – Profile (1h) – </a:t>
             </a:r>
             <a:r>
               <a:rPr lang="en-CA" b="1" dirty="0" err="1"/>
@@ -5179,7 +5216,15 @@
           <a:p>
             <a:r>
               <a:rPr lang="en-CA" b="1" dirty="0"/>
-              <a:t>2h35m – Marketing – Fady (20m)</a:t>
+              <a:t>2h35m – Marketing – Fady / </a:t>
+            </a:r>
+            <a:r>
+              <a:rPr lang="en-CA" b="1" dirty="0" err="1"/>
+              <a:t>Ege</a:t>
+            </a:r>
+            <a:r>
+              <a:rPr lang="en-CA" b="1" dirty="0"/>
+              <a:t> (20m)</a:t>
             </a:r>
           </a:p>
           <a:p>
@@ -5301,8 +5346,8 @@
         </p:nvSpPr>
         <p:spPr>
           <a:xfrm>
-            <a:off x="9396142" y="2405647"/>
-            <a:ext cx="1172116" cy="523220"/>
+            <a:off x="7757837" y="2398773"/>
+            <a:ext cx="4434163" cy="523220"/>
           </a:xfrm>
           <a:prstGeom prst="rect">
             <a:avLst/>
@@ -5321,7 +5366,7 @@
                   <a:srgbClr val="C00000"/>
                 </a:solidFill>
               </a:rPr>
-              <a:t>Scribe:</a:t>
+              <a:t>Scribe: Sebastian &amp; Cristiano </a:t>
             </a:r>
           </a:p>
         </p:txBody>
